--- a/Documentation/Ecrit/01c_Perimetre_fonctionnel.pptx
+++ b/Documentation/Ecrit/01c_Perimetre_fonctionnel.pptx
@@ -106,7 +106,7 @@
   </p:defaultTextStyle>
   <p:extLst>
     <p:ext uri="{EFAFB233-063F-42B5-8137-9DF3F51BA10A}">
-      <p15:sldGuideLst xmlns:p15="http://schemas.microsoft.com/office/powerpoint/2012/main"/>
+      <p15:sldGuideLst xmlns:p15="http://schemas.microsoft.com/office/powerpoint/2012/main" xmlns=""/>
     </p:ext>
   </p:extLst>
 </p:presentation>
@@ -667,7 +667,7 @@
           <p:cNvPr id="2" name="Titre 1">
             <a:extLst>
               <a:ext uri="{FF2B5EF4-FFF2-40B4-BE49-F238E27FC236}">
-                <a16:creationId xmlns:a16="http://schemas.microsoft.com/office/drawing/2014/main" id="{5217E8C3-E79D-45AE-8B20-042C7EA13C7B}"/>
+                <a16:creationId xmlns:a16="http://schemas.microsoft.com/office/drawing/2014/main" xmlns="" id="{5217E8C3-E79D-45AE-8B20-042C7EA13C7B}"/>
               </a:ext>
             </a:extLst>
           </p:cNvPr>
@@ -704,7 +704,7 @@
           <p:cNvPr id="3" name="Sous-titre 2">
             <a:extLst>
               <a:ext uri="{FF2B5EF4-FFF2-40B4-BE49-F238E27FC236}">
-                <a16:creationId xmlns:a16="http://schemas.microsoft.com/office/drawing/2014/main" id="{58DFD26E-B5D0-41A5-AAEC-69BC104A7F24}"/>
+                <a16:creationId xmlns:a16="http://schemas.microsoft.com/office/drawing/2014/main" xmlns="" id="{58DFD26E-B5D0-41A5-AAEC-69BC104A7F24}"/>
               </a:ext>
             </a:extLst>
           </p:cNvPr>
@@ -774,7 +774,7 @@
           <p:cNvPr id="4" name="Espace réservé de la date 3">
             <a:extLst>
               <a:ext uri="{FF2B5EF4-FFF2-40B4-BE49-F238E27FC236}">
-                <a16:creationId xmlns:a16="http://schemas.microsoft.com/office/drawing/2014/main" id="{D6AAA96D-4CF7-463A-9DC8-9AA5FF1F34F5}"/>
+                <a16:creationId xmlns:a16="http://schemas.microsoft.com/office/drawing/2014/main" xmlns="" id="{D6AAA96D-4CF7-463A-9DC8-9AA5FF1F34F5}"/>
               </a:ext>
             </a:extLst>
           </p:cNvPr>
@@ -792,7 +792,8 @@
           <a:p>
             <a:fld id="{FA8AFF0E-6EDD-44B7-94ED-3A9CE9A94E0C}" type="datetimeFigureOut">
               <a:rPr lang="fr-FR" smtClean="0"/>
-              <a:t>06/01/2020</a:t>
+              <a:pPr/>
+              <a:t>06/03/2020</a:t>
             </a:fld>
             <a:endParaRPr lang="fr-FR"/>
           </a:p>
@@ -803,7 +804,7 @@
           <p:cNvPr id="5" name="Espace réservé du pied de page 4">
             <a:extLst>
               <a:ext uri="{FF2B5EF4-FFF2-40B4-BE49-F238E27FC236}">
-                <a16:creationId xmlns:a16="http://schemas.microsoft.com/office/drawing/2014/main" id="{8BBE7B35-E6C6-4486-B3E6-F812BD77D8BE}"/>
+                <a16:creationId xmlns:a16="http://schemas.microsoft.com/office/drawing/2014/main" xmlns="" id="{8BBE7B35-E6C6-4486-B3E6-F812BD77D8BE}"/>
               </a:ext>
             </a:extLst>
           </p:cNvPr>
@@ -828,7 +829,7 @@
           <p:cNvPr id="6" name="Espace réservé du numéro de diapositive 5">
             <a:extLst>
               <a:ext uri="{FF2B5EF4-FFF2-40B4-BE49-F238E27FC236}">
-                <a16:creationId xmlns:a16="http://schemas.microsoft.com/office/drawing/2014/main" id="{8D48594A-0806-4F40-916F-4834B4D8641C}"/>
+                <a16:creationId xmlns:a16="http://schemas.microsoft.com/office/drawing/2014/main" xmlns="" id="{8D48594A-0806-4F40-916F-4834B4D8641C}"/>
               </a:ext>
             </a:extLst>
           </p:cNvPr>
@@ -846,6 +847,7 @@
           <a:p>
             <a:fld id="{76279839-00FC-4AFB-88CB-98AE182E0343}" type="slidenum">
               <a:rPr lang="fr-FR" smtClean="0"/>
+              <a:pPr/>
               <a:t>‹N°›</a:t>
             </a:fld>
             <a:endParaRPr lang="fr-FR"/>
@@ -855,7 +857,7 @@
     </p:spTree>
     <p:extLst>
       <p:ext uri="{BB962C8B-B14F-4D97-AF65-F5344CB8AC3E}">
-        <p14:creationId xmlns:p14="http://schemas.microsoft.com/office/powerpoint/2010/main" val="3214778566"/>
+        <p14:creationId xmlns:p14="http://schemas.microsoft.com/office/powerpoint/2010/main" xmlns="" val="3214778566"/>
       </p:ext>
     </p:extLst>
   </p:cSld>
@@ -887,7 +889,7 @@
           <p:cNvPr id="2" name="Titre 1">
             <a:extLst>
               <a:ext uri="{FF2B5EF4-FFF2-40B4-BE49-F238E27FC236}">
-                <a16:creationId xmlns:a16="http://schemas.microsoft.com/office/drawing/2014/main" id="{D439EA93-C535-4CD0-A8C3-C59D8C713668}"/>
+                <a16:creationId xmlns:a16="http://schemas.microsoft.com/office/drawing/2014/main" xmlns="" id="{D439EA93-C535-4CD0-A8C3-C59D8C713668}"/>
               </a:ext>
             </a:extLst>
           </p:cNvPr>
@@ -915,7 +917,7 @@
           <p:cNvPr id="3" name="Espace réservé du texte vertical 2">
             <a:extLst>
               <a:ext uri="{FF2B5EF4-FFF2-40B4-BE49-F238E27FC236}">
-                <a16:creationId xmlns:a16="http://schemas.microsoft.com/office/drawing/2014/main" id="{D682EFBC-39FB-4617-A7B1-0E7B3E0367B9}"/>
+                <a16:creationId xmlns:a16="http://schemas.microsoft.com/office/drawing/2014/main" xmlns="" id="{D682EFBC-39FB-4617-A7B1-0E7B3E0367B9}"/>
               </a:ext>
             </a:extLst>
           </p:cNvPr>
@@ -972,7 +974,7 @@
           <p:cNvPr id="4" name="Espace réservé de la date 3">
             <a:extLst>
               <a:ext uri="{FF2B5EF4-FFF2-40B4-BE49-F238E27FC236}">
-                <a16:creationId xmlns:a16="http://schemas.microsoft.com/office/drawing/2014/main" id="{804718A5-828C-46E3-9A88-D716010535CF}"/>
+                <a16:creationId xmlns:a16="http://schemas.microsoft.com/office/drawing/2014/main" xmlns="" id="{804718A5-828C-46E3-9A88-D716010535CF}"/>
               </a:ext>
             </a:extLst>
           </p:cNvPr>
@@ -990,7 +992,8 @@
           <a:p>
             <a:fld id="{FA8AFF0E-6EDD-44B7-94ED-3A9CE9A94E0C}" type="datetimeFigureOut">
               <a:rPr lang="fr-FR" smtClean="0"/>
-              <a:t>06/01/2020</a:t>
+              <a:pPr/>
+              <a:t>06/03/2020</a:t>
             </a:fld>
             <a:endParaRPr lang="fr-FR"/>
           </a:p>
@@ -1001,7 +1004,7 @@
           <p:cNvPr id="5" name="Espace réservé du pied de page 4">
             <a:extLst>
               <a:ext uri="{FF2B5EF4-FFF2-40B4-BE49-F238E27FC236}">
-                <a16:creationId xmlns:a16="http://schemas.microsoft.com/office/drawing/2014/main" id="{3B7E9DC2-82B4-49F3-AC72-6A9092D50BCD}"/>
+                <a16:creationId xmlns:a16="http://schemas.microsoft.com/office/drawing/2014/main" xmlns="" id="{3B7E9DC2-82B4-49F3-AC72-6A9092D50BCD}"/>
               </a:ext>
             </a:extLst>
           </p:cNvPr>
@@ -1026,7 +1029,7 @@
           <p:cNvPr id="6" name="Espace réservé du numéro de diapositive 5">
             <a:extLst>
               <a:ext uri="{FF2B5EF4-FFF2-40B4-BE49-F238E27FC236}">
-                <a16:creationId xmlns:a16="http://schemas.microsoft.com/office/drawing/2014/main" id="{C63D911B-51EA-4AC7-A691-0AA3FDCD73E3}"/>
+                <a16:creationId xmlns:a16="http://schemas.microsoft.com/office/drawing/2014/main" xmlns="" id="{C63D911B-51EA-4AC7-A691-0AA3FDCD73E3}"/>
               </a:ext>
             </a:extLst>
           </p:cNvPr>
@@ -1044,6 +1047,7 @@
           <a:p>
             <a:fld id="{76279839-00FC-4AFB-88CB-98AE182E0343}" type="slidenum">
               <a:rPr lang="fr-FR" smtClean="0"/>
+              <a:pPr/>
               <a:t>‹N°›</a:t>
             </a:fld>
             <a:endParaRPr lang="fr-FR"/>
@@ -1053,7 +1057,7 @@
     </p:spTree>
     <p:extLst>
       <p:ext uri="{BB962C8B-B14F-4D97-AF65-F5344CB8AC3E}">
-        <p14:creationId xmlns:p14="http://schemas.microsoft.com/office/powerpoint/2010/main" val="2978360856"/>
+        <p14:creationId xmlns:p14="http://schemas.microsoft.com/office/powerpoint/2010/main" xmlns="" val="2978360856"/>
       </p:ext>
     </p:extLst>
   </p:cSld>
@@ -1085,7 +1089,7 @@
           <p:cNvPr id="2" name="Titre vertical 1">
             <a:extLst>
               <a:ext uri="{FF2B5EF4-FFF2-40B4-BE49-F238E27FC236}">
-                <a16:creationId xmlns:a16="http://schemas.microsoft.com/office/drawing/2014/main" id="{D6342120-4596-4234-AC61-740FAD3B0814}"/>
+                <a16:creationId xmlns:a16="http://schemas.microsoft.com/office/drawing/2014/main" xmlns="" id="{D6342120-4596-4234-AC61-740FAD3B0814}"/>
               </a:ext>
             </a:extLst>
           </p:cNvPr>
@@ -1118,7 +1122,7 @@
           <p:cNvPr id="3" name="Espace réservé du texte vertical 2">
             <a:extLst>
               <a:ext uri="{FF2B5EF4-FFF2-40B4-BE49-F238E27FC236}">
-                <a16:creationId xmlns:a16="http://schemas.microsoft.com/office/drawing/2014/main" id="{00B58C4C-DC2F-43FA-8C94-6B60DC814625}"/>
+                <a16:creationId xmlns:a16="http://schemas.microsoft.com/office/drawing/2014/main" xmlns="" id="{00B58C4C-DC2F-43FA-8C94-6B60DC814625}"/>
               </a:ext>
             </a:extLst>
           </p:cNvPr>
@@ -1180,7 +1184,7 @@
           <p:cNvPr id="4" name="Espace réservé de la date 3">
             <a:extLst>
               <a:ext uri="{FF2B5EF4-FFF2-40B4-BE49-F238E27FC236}">
-                <a16:creationId xmlns:a16="http://schemas.microsoft.com/office/drawing/2014/main" id="{6EE3AA52-5587-40DE-9940-1C6E6574BB5B}"/>
+                <a16:creationId xmlns:a16="http://schemas.microsoft.com/office/drawing/2014/main" xmlns="" id="{6EE3AA52-5587-40DE-9940-1C6E6574BB5B}"/>
               </a:ext>
             </a:extLst>
           </p:cNvPr>
@@ -1198,7 +1202,8 @@
           <a:p>
             <a:fld id="{FA8AFF0E-6EDD-44B7-94ED-3A9CE9A94E0C}" type="datetimeFigureOut">
               <a:rPr lang="fr-FR" smtClean="0"/>
-              <a:t>06/01/2020</a:t>
+              <a:pPr/>
+              <a:t>06/03/2020</a:t>
             </a:fld>
             <a:endParaRPr lang="fr-FR"/>
           </a:p>
@@ -1209,7 +1214,7 @@
           <p:cNvPr id="5" name="Espace réservé du pied de page 4">
             <a:extLst>
               <a:ext uri="{FF2B5EF4-FFF2-40B4-BE49-F238E27FC236}">
-                <a16:creationId xmlns:a16="http://schemas.microsoft.com/office/drawing/2014/main" id="{D0D69A27-C008-472C-BFAB-D2EE926AFFEF}"/>
+                <a16:creationId xmlns:a16="http://schemas.microsoft.com/office/drawing/2014/main" xmlns="" id="{D0D69A27-C008-472C-BFAB-D2EE926AFFEF}"/>
               </a:ext>
             </a:extLst>
           </p:cNvPr>
@@ -1234,7 +1239,7 @@
           <p:cNvPr id="6" name="Espace réservé du numéro de diapositive 5">
             <a:extLst>
               <a:ext uri="{FF2B5EF4-FFF2-40B4-BE49-F238E27FC236}">
-                <a16:creationId xmlns:a16="http://schemas.microsoft.com/office/drawing/2014/main" id="{7740377C-29C4-4457-96AA-389F2881FAA8}"/>
+                <a16:creationId xmlns:a16="http://schemas.microsoft.com/office/drawing/2014/main" xmlns="" id="{7740377C-29C4-4457-96AA-389F2881FAA8}"/>
               </a:ext>
             </a:extLst>
           </p:cNvPr>
@@ -1252,6 +1257,7 @@
           <a:p>
             <a:fld id="{76279839-00FC-4AFB-88CB-98AE182E0343}" type="slidenum">
               <a:rPr lang="fr-FR" smtClean="0"/>
+              <a:pPr/>
               <a:t>‹N°›</a:t>
             </a:fld>
             <a:endParaRPr lang="fr-FR"/>
@@ -1261,7 +1267,7 @@
     </p:spTree>
     <p:extLst>
       <p:ext uri="{BB962C8B-B14F-4D97-AF65-F5344CB8AC3E}">
-        <p14:creationId xmlns:p14="http://schemas.microsoft.com/office/powerpoint/2010/main" val="4073610313"/>
+        <p14:creationId xmlns:p14="http://schemas.microsoft.com/office/powerpoint/2010/main" xmlns="" val="4073610313"/>
       </p:ext>
     </p:extLst>
   </p:cSld>
@@ -1293,7 +1299,7 @@
           <p:cNvPr id="2" name="Titre 1">
             <a:extLst>
               <a:ext uri="{FF2B5EF4-FFF2-40B4-BE49-F238E27FC236}">
-                <a16:creationId xmlns:a16="http://schemas.microsoft.com/office/drawing/2014/main" id="{73AA6AC5-714D-41BE-B81D-6946B5DCBCC0}"/>
+                <a16:creationId xmlns:a16="http://schemas.microsoft.com/office/drawing/2014/main" xmlns="" id="{73AA6AC5-714D-41BE-B81D-6946B5DCBCC0}"/>
               </a:ext>
             </a:extLst>
           </p:cNvPr>
@@ -1321,7 +1327,7 @@
           <p:cNvPr id="3" name="Espace réservé du contenu 2">
             <a:extLst>
               <a:ext uri="{FF2B5EF4-FFF2-40B4-BE49-F238E27FC236}">
-                <a16:creationId xmlns:a16="http://schemas.microsoft.com/office/drawing/2014/main" id="{6A8DAAC6-45BC-4831-8C0A-D806E1044043}"/>
+                <a16:creationId xmlns:a16="http://schemas.microsoft.com/office/drawing/2014/main" xmlns="" id="{6A8DAAC6-45BC-4831-8C0A-D806E1044043}"/>
               </a:ext>
             </a:extLst>
           </p:cNvPr>
@@ -1378,7 +1384,7 @@
           <p:cNvPr id="4" name="Espace réservé de la date 3">
             <a:extLst>
               <a:ext uri="{FF2B5EF4-FFF2-40B4-BE49-F238E27FC236}">
-                <a16:creationId xmlns:a16="http://schemas.microsoft.com/office/drawing/2014/main" id="{451816D5-49F7-4EDD-9062-C8A1E7A0520D}"/>
+                <a16:creationId xmlns:a16="http://schemas.microsoft.com/office/drawing/2014/main" xmlns="" id="{451816D5-49F7-4EDD-9062-C8A1E7A0520D}"/>
               </a:ext>
             </a:extLst>
           </p:cNvPr>
@@ -1396,7 +1402,8 @@
           <a:p>
             <a:fld id="{FA8AFF0E-6EDD-44B7-94ED-3A9CE9A94E0C}" type="datetimeFigureOut">
               <a:rPr lang="fr-FR" smtClean="0"/>
-              <a:t>06/01/2020</a:t>
+              <a:pPr/>
+              <a:t>06/03/2020</a:t>
             </a:fld>
             <a:endParaRPr lang="fr-FR"/>
           </a:p>
@@ -1407,7 +1414,7 @@
           <p:cNvPr id="5" name="Espace réservé du pied de page 4">
             <a:extLst>
               <a:ext uri="{FF2B5EF4-FFF2-40B4-BE49-F238E27FC236}">
-                <a16:creationId xmlns:a16="http://schemas.microsoft.com/office/drawing/2014/main" id="{1DB4951D-62C7-4E91-8D7C-A0782064DDFC}"/>
+                <a16:creationId xmlns:a16="http://schemas.microsoft.com/office/drawing/2014/main" xmlns="" id="{1DB4951D-62C7-4E91-8D7C-A0782064DDFC}"/>
               </a:ext>
             </a:extLst>
           </p:cNvPr>
@@ -1432,7 +1439,7 @@
           <p:cNvPr id="6" name="Espace réservé du numéro de diapositive 5">
             <a:extLst>
               <a:ext uri="{FF2B5EF4-FFF2-40B4-BE49-F238E27FC236}">
-                <a16:creationId xmlns:a16="http://schemas.microsoft.com/office/drawing/2014/main" id="{9AF4E9F4-A58C-4C9F-AD4B-C69F288167DA}"/>
+                <a16:creationId xmlns:a16="http://schemas.microsoft.com/office/drawing/2014/main" xmlns="" id="{9AF4E9F4-A58C-4C9F-AD4B-C69F288167DA}"/>
               </a:ext>
             </a:extLst>
           </p:cNvPr>
@@ -1450,6 +1457,7 @@
           <a:p>
             <a:fld id="{76279839-00FC-4AFB-88CB-98AE182E0343}" type="slidenum">
               <a:rPr lang="fr-FR" smtClean="0"/>
+              <a:pPr/>
               <a:t>‹N°›</a:t>
             </a:fld>
             <a:endParaRPr lang="fr-FR"/>
@@ -1459,7 +1467,7 @@
     </p:spTree>
     <p:extLst>
       <p:ext uri="{BB962C8B-B14F-4D97-AF65-F5344CB8AC3E}">
-        <p14:creationId xmlns:p14="http://schemas.microsoft.com/office/powerpoint/2010/main" val="4017022724"/>
+        <p14:creationId xmlns:p14="http://schemas.microsoft.com/office/powerpoint/2010/main" xmlns="" val="4017022724"/>
       </p:ext>
     </p:extLst>
   </p:cSld>
@@ -1491,7 +1499,7 @@
           <p:cNvPr id="2" name="Titre 1">
             <a:extLst>
               <a:ext uri="{FF2B5EF4-FFF2-40B4-BE49-F238E27FC236}">
-                <a16:creationId xmlns:a16="http://schemas.microsoft.com/office/drawing/2014/main" id="{3715CAF4-693D-4EA7-A293-8EA58BF6A71F}"/>
+                <a16:creationId xmlns:a16="http://schemas.microsoft.com/office/drawing/2014/main" xmlns="" id="{3715CAF4-693D-4EA7-A293-8EA58BF6A71F}"/>
               </a:ext>
             </a:extLst>
           </p:cNvPr>
@@ -1528,7 +1536,7 @@
           <p:cNvPr id="3" name="Espace réservé du texte 2">
             <a:extLst>
               <a:ext uri="{FF2B5EF4-FFF2-40B4-BE49-F238E27FC236}">
-                <a16:creationId xmlns:a16="http://schemas.microsoft.com/office/drawing/2014/main" id="{9C6A0080-5B24-43E3-83EF-D9BEBFDC86F1}"/>
+                <a16:creationId xmlns:a16="http://schemas.microsoft.com/office/drawing/2014/main" xmlns="" id="{9C6A0080-5B24-43E3-83EF-D9BEBFDC86F1}"/>
               </a:ext>
             </a:extLst>
           </p:cNvPr>
@@ -1653,7 +1661,7 @@
           <p:cNvPr id="4" name="Espace réservé de la date 3">
             <a:extLst>
               <a:ext uri="{FF2B5EF4-FFF2-40B4-BE49-F238E27FC236}">
-                <a16:creationId xmlns:a16="http://schemas.microsoft.com/office/drawing/2014/main" id="{50CE1C1F-8B9F-4140-9887-D41E1C8360D6}"/>
+                <a16:creationId xmlns:a16="http://schemas.microsoft.com/office/drawing/2014/main" xmlns="" id="{50CE1C1F-8B9F-4140-9887-D41E1C8360D6}"/>
               </a:ext>
             </a:extLst>
           </p:cNvPr>
@@ -1671,7 +1679,8 @@
           <a:p>
             <a:fld id="{FA8AFF0E-6EDD-44B7-94ED-3A9CE9A94E0C}" type="datetimeFigureOut">
               <a:rPr lang="fr-FR" smtClean="0"/>
-              <a:t>06/01/2020</a:t>
+              <a:pPr/>
+              <a:t>06/03/2020</a:t>
             </a:fld>
             <a:endParaRPr lang="fr-FR"/>
           </a:p>
@@ -1682,7 +1691,7 @@
           <p:cNvPr id="5" name="Espace réservé du pied de page 4">
             <a:extLst>
               <a:ext uri="{FF2B5EF4-FFF2-40B4-BE49-F238E27FC236}">
-                <a16:creationId xmlns:a16="http://schemas.microsoft.com/office/drawing/2014/main" id="{1FB0657D-1489-479E-B01A-C87339BE65C2}"/>
+                <a16:creationId xmlns:a16="http://schemas.microsoft.com/office/drawing/2014/main" xmlns="" id="{1FB0657D-1489-479E-B01A-C87339BE65C2}"/>
               </a:ext>
             </a:extLst>
           </p:cNvPr>
@@ -1707,7 +1716,7 @@
           <p:cNvPr id="6" name="Espace réservé du numéro de diapositive 5">
             <a:extLst>
               <a:ext uri="{FF2B5EF4-FFF2-40B4-BE49-F238E27FC236}">
-                <a16:creationId xmlns:a16="http://schemas.microsoft.com/office/drawing/2014/main" id="{77AB8EA6-26AA-40C1-A816-612A11E69B27}"/>
+                <a16:creationId xmlns:a16="http://schemas.microsoft.com/office/drawing/2014/main" xmlns="" id="{77AB8EA6-26AA-40C1-A816-612A11E69B27}"/>
               </a:ext>
             </a:extLst>
           </p:cNvPr>
@@ -1725,6 +1734,7 @@
           <a:p>
             <a:fld id="{76279839-00FC-4AFB-88CB-98AE182E0343}" type="slidenum">
               <a:rPr lang="fr-FR" smtClean="0"/>
+              <a:pPr/>
               <a:t>‹N°›</a:t>
             </a:fld>
             <a:endParaRPr lang="fr-FR"/>
@@ -1734,7 +1744,7 @@
     </p:spTree>
     <p:extLst>
       <p:ext uri="{BB962C8B-B14F-4D97-AF65-F5344CB8AC3E}">
-        <p14:creationId xmlns:p14="http://schemas.microsoft.com/office/powerpoint/2010/main" val="601507228"/>
+        <p14:creationId xmlns:p14="http://schemas.microsoft.com/office/powerpoint/2010/main" xmlns="" val="601507228"/>
       </p:ext>
     </p:extLst>
   </p:cSld>
@@ -1766,7 +1776,7 @@
           <p:cNvPr id="2" name="Titre 1">
             <a:extLst>
               <a:ext uri="{FF2B5EF4-FFF2-40B4-BE49-F238E27FC236}">
-                <a16:creationId xmlns:a16="http://schemas.microsoft.com/office/drawing/2014/main" id="{4E208D5C-A852-453E-89B8-44094886D9B0}"/>
+                <a16:creationId xmlns:a16="http://schemas.microsoft.com/office/drawing/2014/main" xmlns="" id="{4E208D5C-A852-453E-89B8-44094886D9B0}"/>
               </a:ext>
             </a:extLst>
           </p:cNvPr>
@@ -1794,7 +1804,7 @@
           <p:cNvPr id="3" name="Espace réservé du contenu 2">
             <a:extLst>
               <a:ext uri="{FF2B5EF4-FFF2-40B4-BE49-F238E27FC236}">
-                <a16:creationId xmlns:a16="http://schemas.microsoft.com/office/drawing/2014/main" id="{E05695F5-8654-4D14-80D4-87699955A969}"/>
+                <a16:creationId xmlns:a16="http://schemas.microsoft.com/office/drawing/2014/main" xmlns="" id="{E05695F5-8654-4D14-80D4-87699955A969}"/>
               </a:ext>
             </a:extLst>
           </p:cNvPr>
@@ -1856,7 +1866,7 @@
           <p:cNvPr id="4" name="Espace réservé du contenu 3">
             <a:extLst>
               <a:ext uri="{FF2B5EF4-FFF2-40B4-BE49-F238E27FC236}">
-                <a16:creationId xmlns:a16="http://schemas.microsoft.com/office/drawing/2014/main" id="{CDD1C807-9CD2-444D-9BA8-CC595929B6BA}"/>
+                <a16:creationId xmlns:a16="http://schemas.microsoft.com/office/drawing/2014/main" xmlns="" id="{CDD1C807-9CD2-444D-9BA8-CC595929B6BA}"/>
               </a:ext>
             </a:extLst>
           </p:cNvPr>
@@ -1918,7 +1928,7 @@
           <p:cNvPr id="5" name="Espace réservé de la date 4">
             <a:extLst>
               <a:ext uri="{FF2B5EF4-FFF2-40B4-BE49-F238E27FC236}">
-                <a16:creationId xmlns:a16="http://schemas.microsoft.com/office/drawing/2014/main" id="{A0CCEB81-599C-4BF2-9D16-DB02F7E19870}"/>
+                <a16:creationId xmlns:a16="http://schemas.microsoft.com/office/drawing/2014/main" xmlns="" id="{A0CCEB81-599C-4BF2-9D16-DB02F7E19870}"/>
               </a:ext>
             </a:extLst>
           </p:cNvPr>
@@ -1936,7 +1946,8 @@
           <a:p>
             <a:fld id="{FA8AFF0E-6EDD-44B7-94ED-3A9CE9A94E0C}" type="datetimeFigureOut">
               <a:rPr lang="fr-FR" smtClean="0"/>
-              <a:t>06/01/2020</a:t>
+              <a:pPr/>
+              <a:t>06/03/2020</a:t>
             </a:fld>
             <a:endParaRPr lang="fr-FR"/>
           </a:p>
@@ -1947,7 +1958,7 @@
           <p:cNvPr id="6" name="Espace réservé du pied de page 5">
             <a:extLst>
               <a:ext uri="{FF2B5EF4-FFF2-40B4-BE49-F238E27FC236}">
-                <a16:creationId xmlns:a16="http://schemas.microsoft.com/office/drawing/2014/main" id="{B7386FCE-5FAF-41E5-83BC-C8C4DAE6EE44}"/>
+                <a16:creationId xmlns:a16="http://schemas.microsoft.com/office/drawing/2014/main" xmlns="" id="{B7386FCE-5FAF-41E5-83BC-C8C4DAE6EE44}"/>
               </a:ext>
             </a:extLst>
           </p:cNvPr>
@@ -1972,7 +1983,7 @@
           <p:cNvPr id="7" name="Espace réservé du numéro de diapositive 6">
             <a:extLst>
               <a:ext uri="{FF2B5EF4-FFF2-40B4-BE49-F238E27FC236}">
-                <a16:creationId xmlns:a16="http://schemas.microsoft.com/office/drawing/2014/main" id="{57C7A54F-29E3-4CE7-90BA-06DD97D1B2CA}"/>
+                <a16:creationId xmlns:a16="http://schemas.microsoft.com/office/drawing/2014/main" xmlns="" id="{57C7A54F-29E3-4CE7-90BA-06DD97D1B2CA}"/>
               </a:ext>
             </a:extLst>
           </p:cNvPr>
@@ -1990,6 +2001,7 @@
           <a:p>
             <a:fld id="{76279839-00FC-4AFB-88CB-98AE182E0343}" type="slidenum">
               <a:rPr lang="fr-FR" smtClean="0"/>
+              <a:pPr/>
               <a:t>‹N°›</a:t>
             </a:fld>
             <a:endParaRPr lang="fr-FR"/>
@@ -1999,7 +2011,7 @@
     </p:spTree>
     <p:extLst>
       <p:ext uri="{BB962C8B-B14F-4D97-AF65-F5344CB8AC3E}">
-        <p14:creationId xmlns:p14="http://schemas.microsoft.com/office/powerpoint/2010/main" val="3850504762"/>
+        <p14:creationId xmlns:p14="http://schemas.microsoft.com/office/powerpoint/2010/main" xmlns="" val="3850504762"/>
       </p:ext>
     </p:extLst>
   </p:cSld>
@@ -2031,7 +2043,7 @@
           <p:cNvPr id="2" name="Titre 1">
             <a:extLst>
               <a:ext uri="{FF2B5EF4-FFF2-40B4-BE49-F238E27FC236}">
-                <a16:creationId xmlns:a16="http://schemas.microsoft.com/office/drawing/2014/main" id="{07D81C11-22A3-4436-B437-FCD424D2A26D}"/>
+                <a16:creationId xmlns:a16="http://schemas.microsoft.com/office/drawing/2014/main" xmlns="" id="{07D81C11-22A3-4436-B437-FCD424D2A26D}"/>
               </a:ext>
             </a:extLst>
           </p:cNvPr>
@@ -2064,7 +2076,7 @@
           <p:cNvPr id="3" name="Espace réservé du texte 2">
             <a:extLst>
               <a:ext uri="{FF2B5EF4-FFF2-40B4-BE49-F238E27FC236}">
-                <a16:creationId xmlns:a16="http://schemas.microsoft.com/office/drawing/2014/main" id="{9B911EF3-284C-47BC-A1F9-E8D7EFD79246}"/>
+                <a16:creationId xmlns:a16="http://schemas.microsoft.com/office/drawing/2014/main" xmlns="" id="{9B911EF3-284C-47BC-A1F9-E8D7EFD79246}"/>
               </a:ext>
             </a:extLst>
           </p:cNvPr>
@@ -2135,7 +2147,7 @@
           <p:cNvPr id="4" name="Espace réservé du contenu 3">
             <a:extLst>
               <a:ext uri="{FF2B5EF4-FFF2-40B4-BE49-F238E27FC236}">
-                <a16:creationId xmlns:a16="http://schemas.microsoft.com/office/drawing/2014/main" id="{0507C2ED-92EF-4D7E-B61A-4B7CA77349D5}"/>
+                <a16:creationId xmlns:a16="http://schemas.microsoft.com/office/drawing/2014/main" xmlns="" id="{0507C2ED-92EF-4D7E-B61A-4B7CA77349D5}"/>
               </a:ext>
             </a:extLst>
           </p:cNvPr>
@@ -2197,7 +2209,7 @@
           <p:cNvPr id="5" name="Espace réservé du texte 4">
             <a:extLst>
               <a:ext uri="{FF2B5EF4-FFF2-40B4-BE49-F238E27FC236}">
-                <a16:creationId xmlns:a16="http://schemas.microsoft.com/office/drawing/2014/main" id="{ABE86CBD-37BB-4B77-ABC6-E5E0B783D8E0}"/>
+                <a16:creationId xmlns:a16="http://schemas.microsoft.com/office/drawing/2014/main" xmlns="" id="{ABE86CBD-37BB-4B77-ABC6-E5E0B783D8E0}"/>
               </a:ext>
             </a:extLst>
           </p:cNvPr>
@@ -2268,7 +2280,7 @@
           <p:cNvPr id="6" name="Espace réservé du contenu 5">
             <a:extLst>
               <a:ext uri="{FF2B5EF4-FFF2-40B4-BE49-F238E27FC236}">
-                <a16:creationId xmlns:a16="http://schemas.microsoft.com/office/drawing/2014/main" id="{7F1FD10B-9BE1-47BC-A359-6EDE08774E82}"/>
+                <a16:creationId xmlns:a16="http://schemas.microsoft.com/office/drawing/2014/main" xmlns="" id="{7F1FD10B-9BE1-47BC-A359-6EDE08774E82}"/>
               </a:ext>
             </a:extLst>
           </p:cNvPr>
@@ -2330,7 +2342,7 @@
           <p:cNvPr id="7" name="Espace réservé de la date 6">
             <a:extLst>
               <a:ext uri="{FF2B5EF4-FFF2-40B4-BE49-F238E27FC236}">
-                <a16:creationId xmlns:a16="http://schemas.microsoft.com/office/drawing/2014/main" id="{B7AFC837-D96B-417E-95E8-E9BD0C390C4A}"/>
+                <a16:creationId xmlns:a16="http://schemas.microsoft.com/office/drawing/2014/main" xmlns="" id="{B7AFC837-D96B-417E-95E8-E9BD0C390C4A}"/>
               </a:ext>
             </a:extLst>
           </p:cNvPr>
@@ -2348,7 +2360,8 @@
           <a:p>
             <a:fld id="{FA8AFF0E-6EDD-44B7-94ED-3A9CE9A94E0C}" type="datetimeFigureOut">
               <a:rPr lang="fr-FR" smtClean="0"/>
-              <a:t>06/01/2020</a:t>
+              <a:pPr/>
+              <a:t>06/03/2020</a:t>
             </a:fld>
             <a:endParaRPr lang="fr-FR"/>
           </a:p>
@@ -2359,7 +2372,7 @@
           <p:cNvPr id="8" name="Espace réservé du pied de page 7">
             <a:extLst>
               <a:ext uri="{FF2B5EF4-FFF2-40B4-BE49-F238E27FC236}">
-                <a16:creationId xmlns:a16="http://schemas.microsoft.com/office/drawing/2014/main" id="{C6F80D04-3032-4316-9AA0-19D49031C77A}"/>
+                <a16:creationId xmlns:a16="http://schemas.microsoft.com/office/drawing/2014/main" xmlns="" id="{C6F80D04-3032-4316-9AA0-19D49031C77A}"/>
               </a:ext>
             </a:extLst>
           </p:cNvPr>
@@ -2384,7 +2397,7 @@
           <p:cNvPr id="9" name="Espace réservé du numéro de diapositive 8">
             <a:extLst>
               <a:ext uri="{FF2B5EF4-FFF2-40B4-BE49-F238E27FC236}">
-                <a16:creationId xmlns:a16="http://schemas.microsoft.com/office/drawing/2014/main" id="{E9B05602-4165-4A74-90B4-ABD0EB8A856C}"/>
+                <a16:creationId xmlns:a16="http://schemas.microsoft.com/office/drawing/2014/main" xmlns="" id="{E9B05602-4165-4A74-90B4-ABD0EB8A856C}"/>
               </a:ext>
             </a:extLst>
           </p:cNvPr>
@@ -2402,6 +2415,7 @@
           <a:p>
             <a:fld id="{76279839-00FC-4AFB-88CB-98AE182E0343}" type="slidenum">
               <a:rPr lang="fr-FR" smtClean="0"/>
+              <a:pPr/>
               <a:t>‹N°›</a:t>
             </a:fld>
             <a:endParaRPr lang="fr-FR"/>
@@ -2411,7 +2425,7 @@
     </p:spTree>
     <p:extLst>
       <p:ext uri="{BB962C8B-B14F-4D97-AF65-F5344CB8AC3E}">
-        <p14:creationId xmlns:p14="http://schemas.microsoft.com/office/powerpoint/2010/main" val="1184229562"/>
+        <p14:creationId xmlns:p14="http://schemas.microsoft.com/office/powerpoint/2010/main" xmlns="" val="1184229562"/>
       </p:ext>
     </p:extLst>
   </p:cSld>
@@ -2443,7 +2457,7 @@
           <p:cNvPr id="2" name="Titre 1">
             <a:extLst>
               <a:ext uri="{FF2B5EF4-FFF2-40B4-BE49-F238E27FC236}">
-                <a16:creationId xmlns:a16="http://schemas.microsoft.com/office/drawing/2014/main" id="{9DFC1F68-5A30-4EA7-8D5B-07ABDFF150DD}"/>
+                <a16:creationId xmlns:a16="http://schemas.microsoft.com/office/drawing/2014/main" xmlns="" id="{9DFC1F68-5A30-4EA7-8D5B-07ABDFF150DD}"/>
               </a:ext>
             </a:extLst>
           </p:cNvPr>
@@ -2471,7 +2485,7 @@
           <p:cNvPr id="3" name="Espace réservé de la date 2">
             <a:extLst>
               <a:ext uri="{FF2B5EF4-FFF2-40B4-BE49-F238E27FC236}">
-                <a16:creationId xmlns:a16="http://schemas.microsoft.com/office/drawing/2014/main" id="{53020C49-12D0-414D-A24F-5DEC0A3C3852}"/>
+                <a16:creationId xmlns:a16="http://schemas.microsoft.com/office/drawing/2014/main" xmlns="" id="{53020C49-12D0-414D-A24F-5DEC0A3C3852}"/>
               </a:ext>
             </a:extLst>
           </p:cNvPr>
@@ -2489,7 +2503,8 @@
           <a:p>
             <a:fld id="{FA8AFF0E-6EDD-44B7-94ED-3A9CE9A94E0C}" type="datetimeFigureOut">
               <a:rPr lang="fr-FR" smtClean="0"/>
-              <a:t>06/01/2020</a:t>
+              <a:pPr/>
+              <a:t>06/03/2020</a:t>
             </a:fld>
             <a:endParaRPr lang="fr-FR"/>
           </a:p>
@@ -2500,7 +2515,7 @@
           <p:cNvPr id="4" name="Espace réservé du pied de page 3">
             <a:extLst>
               <a:ext uri="{FF2B5EF4-FFF2-40B4-BE49-F238E27FC236}">
-                <a16:creationId xmlns:a16="http://schemas.microsoft.com/office/drawing/2014/main" id="{A556BD24-1406-4B87-9865-A571FB1E6360}"/>
+                <a16:creationId xmlns:a16="http://schemas.microsoft.com/office/drawing/2014/main" xmlns="" id="{A556BD24-1406-4B87-9865-A571FB1E6360}"/>
               </a:ext>
             </a:extLst>
           </p:cNvPr>
@@ -2525,7 +2540,7 @@
           <p:cNvPr id="5" name="Espace réservé du numéro de diapositive 4">
             <a:extLst>
               <a:ext uri="{FF2B5EF4-FFF2-40B4-BE49-F238E27FC236}">
-                <a16:creationId xmlns:a16="http://schemas.microsoft.com/office/drawing/2014/main" id="{95148F30-B7C4-44DD-8C1F-C5F943DC065C}"/>
+                <a16:creationId xmlns:a16="http://schemas.microsoft.com/office/drawing/2014/main" xmlns="" id="{95148F30-B7C4-44DD-8C1F-C5F943DC065C}"/>
               </a:ext>
             </a:extLst>
           </p:cNvPr>
@@ -2543,6 +2558,7 @@
           <a:p>
             <a:fld id="{76279839-00FC-4AFB-88CB-98AE182E0343}" type="slidenum">
               <a:rPr lang="fr-FR" smtClean="0"/>
+              <a:pPr/>
               <a:t>‹N°›</a:t>
             </a:fld>
             <a:endParaRPr lang="fr-FR"/>
@@ -2552,7 +2568,7 @@
     </p:spTree>
     <p:extLst>
       <p:ext uri="{BB962C8B-B14F-4D97-AF65-F5344CB8AC3E}">
-        <p14:creationId xmlns:p14="http://schemas.microsoft.com/office/powerpoint/2010/main" val="3512202127"/>
+        <p14:creationId xmlns:p14="http://schemas.microsoft.com/office/powerpoint/2010/main" xmlns="" val="3512202127"/>
       </p:ext>
     </p:extLst>
   </p:cSld>
@@ -2584,7 +2600,7 @@
           <p:cNvPr id="2" name="Espace réservé de la date 1">
             <a:extLst>
               <a:ext uri="{FF2B5EF4-FFF2-40B4-BE49-F238E27FC236}">
-                <a16:creationId xmlns:a16="http://schemas.microsoft.com/office/drawing/2014/main" id="{2EE72B14-C23D-4037-BC8F-A7F2DB0B8806}"/>
+                <a16:creationId xmlns:a16="http://schemas.microsoft.com/office/drawing/2014/main" xmlns="" id="{2EE72B14-C23D-4037-BC8F-A7F2DB0B8806}"/>
               </a:ext>
             </a:extLst>
           </p:cNvPr>
@@ -2602,7 +2618,8 @@
           <a:p>
             <a:fld id="{FA8AFF0E-6EDD-44B7-94ED-3A9CE9A94E0C}" type="datetimeFigureOut">
               <a:rPr lang="fr-FR" smtClean="0"/>
-              <a:t>06/01/2020</a:t>
+              <a:pPr/>
+              <a:t>06/03/2020</a:t>
             </a:fld>
             <a:endParaRPr lang="fr-FR"/>
           </a:p>
@@ -2613,7 +2630,7 @@
           <p:cNvPr id="3" name="Espace réservé du pied de page 2">
             <a:extLst>
               <a:ext uri="{FF2B5EF4-FFF2-40B4-BE49-F238E27FC236}">
-                <a16:creationId xmlns:a16="http://schemas.microsoft.com/office/drawing/2014/main" id="{A3A29646-53DA-4522-83FA-5C68CBC9E7D0}"/>
+                <a16:creationId xmlns:a16="http://schemas.microsoft.com/office/drawing/2014/main" xmlns="" id="{A3A29646-53DA-4522-83FA-5C68CBC9E7D0}"/>
               </a:ext>
             </a:extLst>
           </p:cNvPr>
@@ -2638,7 +2655,7 @@
           <p:cNvPr id="4" name="Espace réservé du numéro de diapositive 3">
             <a:extLst>
               <a:ext uri="{FF2B5EF4-FFF2-40B4-BE49-F238E27FC236}">
-                <a16:creationId xmlns:a16="http://schemas.microsoft.com/office/drawing/2014/main" id="{403B5BDF-4592-447C-8E09-4EEF378F2CD3}"/>
+                <a16:creationId xmlns:a16="http://schemas.microsoft.com/office/drawing/2014/main" xmlns="" id="{403B5BDF-4592-447C-8E09-4EEF378F2CD3}"/>
               </a:ext>
             </a:extLst>
           </p:cNvPr>
@@ -2656,6 +2673,7 @@
           <a:p>
             <a:fld id="{76279839-00FC-4AFB-88CB-98AE182E0343}" type="slidenum">
               <a:rPr lang="fr-FR" smtClean="0"/>
+              <a:pPr/>
               <a:t>‹N°›</a:t>
             </a:fld>
             <a:endParaRPr lang="fr-FR"/>
@@ -2665,7 +2683,7 @@
     </p:spTree>
     <p:extLst>
       <p:ext uri="{BB962C8B-B14F-4D97-AF65-F5344CB8AC3E}">
-        <p14:creationId xmlns:p14="http://schemas.microsoft.com/office/powerpoint/2010/main" val="1357127445"/>
+        <p14:creationId xmlns:p14="http://schemas.microsoft.com/office/powerpoint/2010/main" xmlns="" val="1357127445"/>
       </p:ext>
     </p:extLst>
   </p:cSld>
@@ -2697,7 +2715,7 @@
           <p:cNvPr id="2" name="Titre 1">
             <a:extLst>
               <a:ext uri="{FF2B5EF4-FFF2-40B4-BE49-F238E27FC236}">
-                <a16:creationId xmlns:a16="http://schemas.microsoft.com/office/drawing/2014/main" id="{647A20EA-E469-4689-A4F2-F53A0202720D}"/>
+                <a16:creationId xmlns:a16="http://schemas.microsoft.com/office/drawing/2014/main" xmlns="" id="{647A20EA-E469-4689-A4F2-F53A0202720D}"/>
               </a:ext>
             </a:extLst>
           </p:cNvPr>
@@ -2734,7 +2752,7 @@
           <p:cNvPr id="3" name="Espace réservé du contenu 2">
             <a:extLst>
               <a:ext uri="{FF2B5EF4-FFF2-40B4-BE49-F238E27FC236}">
-                <a16:creationId xmlns:a16="http://schemas.microsoft.com/office/drawing/2014/main" id="{1F2863F7-C479-4EAD-AA81-14CE63C6A35E}"/>
+                <a16:creationId xmlns:a16="http://schemas.microsoft.com/office/drawing/2014/main" xmlns="" id="{1F2863F7-C479-4EAD-AA81-14CE63C6A35E}"/>
               </a:ext>
             </a:extLst>
           </p:cNvPr>
@@ -2824,7 +2842,7 @@
           <p:cNvPr id="4" name="Espace réservé du texte 3">
             <a:extLst>
               <a:ext uri="{FF2B5EF4-FFF2-40B4-BE49-F238E27FC236}">
-                <a16:creationId xmlns:a16="http://schemas.microsoft.com/office/drawing/2014/main" id="{4AE6DB34-BFD3-4634-8FD5-6AD2C8705F1C}"/>
+                <a16:creationId xmlns:a16="http://schemas.microsoft.com/office/drawing/2014/main" xmlns="" id="{4AE6DB34-BFD3-4634-8FD5-6AD2C8705F1C}"/>
               </a:ext>
             </a:extLst>
           </p:cNvPr>
@@ -2895,7 +2913,7 @@
           <p:cNvPr id="5" name="Espace réservé de la date 4">
             <a:extLst>
               <a:ext uri="{FF2B5EF4-FFF2-40B4-BE49-F238E27FC236}">
-                <a16:creationId xmlns:a16="http://schemas.microsoft.com/office/drawing/2014/main" id="{662B7B5A-A447-4FC5-A17D-1875D749C9B3}"/>
+                <a16:creationId xmlns:a16="http://schemas.microsoft.com/office/drawing/2014/main" xmlns="" id="{662B7B5A-A447-4FC5-A17D-1875D749C9B3}"/>
               </a:ext>
             </a:extLst>
           </p:cNvPr>
@@ -2913,7 +2931,8 @@
           <a:p>
             <a:fld id="{FA8AFF0E-6EDD-44B7-94ED-3A9CE9A94E0C}" type="datetimeFigureOut">
               <a:rPr lang="fr-FR" smtClean="0"/>
-              <a:t>06/01/2020</a:t>
+              <a:pPr/>
+              <a:t>06/03/2020</a:t>
             </a:fld>
             <a:endParaRPr lang="fr-FR"/>
           </a:p>
@@ -2924,7 +2943,7 @@
           <p:cNvPr id="6" name="Espace réservé du pied de page 5">
             <a:extLst>
               <a:ext uri="{FF2B5EF4-FFF2-40B4-BE49-F238E27FC236}">
-                <a16:creationId xmlns:a16="http://schemas.microsoft.com/office/drawing/2014/main" id="{EDEA62CC-ADFE-469D-B2AF-7F931993056D}"/>
+                <a16:creationId xmlns:a16="http://schemas.microsoft.com/office/drawing/2014/main" xmlns="" id="{EDEA62CC-ADFE-469D-B2AF-7F931993056D}"/>
               </a:ext>
             </a:extLst>
           </p:cNvPr>
@@ -2949,7 +2968,7 @@
           <p:cNvPr id="7" name="Espace réservé du numéro de diapositive 6">
             <a:extLst>
               <a:ext uri="{FF2B5EF4-FFF2-40B4-BE49-F238E27FC236}">
-                <a16:creationId xmlns:a16="http://schemas.microsoft.com/office/drawing/2014/main" id="{4545E3A9-8BAB-44DE-A847-DE9CBD8820F8}"/>
+                <a16:creationId xmlns:a16="http://schemas.microsoft.com/office/drawing/2014/main" xmlns="" id="{4545E3A9-8BAB-44DE-A847-DE9CBD8820F8}"/>
               </a:ext>
             </a:extLst>
           </p:cNvPr>
@@ -2967,6 +2986,7 @@
           <a:p>
             <a:fld id="{76279839-00FC-4AFB-88CB-98AE182E0343}" type="slidenum">
               <a:rPr lang="fr-FR" smtClean="0"/>
+              <a:pPr/>
               <a:t>‹N°›</a:t>
             </a:fld>
             <a:endParaRPr lang="fr-FR"/>
@@ -2976,7 +2996,7 @@
     </p:spTree>
     <p:extLst>
       <p:ext uri="{BB962C8B-B14F-4D97-AF65-F5344CB8AC3E}">
-        <p14:creationId xmlns:p14="http://schemas.microsoft.com/office/powerpoint/2010/main" val="2061425822"/>
+        <p14:creationId xmlns:p14="http://schemas.microsoft.com/office/powerpoint/2010/main" xmlns="" val="2061425822"/>
       </p:ext>
     </p:extLst>
   </p:cSld>
@@ -3008,7 +3028,7 @@
           <p:cNvPr id="2" name="Titre 1">
             <a:extLst>
               <a:ext uri="{FF2B5EF4-FFF2-40B4-BE49-F238E27FC236}">
-                <a16:creationId xmlns:a16="http://schemas.microsoft.com/office/drawing/2014/main" id="{DA53DBAE-3EDA-4F8A-AF1A-6EC6F2F28541}"/>
+                <a16:creationId xmlns:a16="http://schemas.microsoft.com/office/drawing/2014/main" xmlns="" id="{DA53DBAE-3EDA-4F8A-AF1A-6EC6F2F28541}"/>
               </a:ext>
             </a:extLst>
           </p:cNvPr>
@@ -3045,7 +3065,7 @@
           <p:cNvPr id="3" name="Espace réservé pour une image  2">
             <a:extLst>
               <a:ext uri="{FF2B5EF4-FFF2-40B4-BE49-F238E27FC236}">
-                <a16:creationId xmlns:a16="http://schemas.microsoft.com/office/drawing/2014/main" id="{29148F54-3C75-49D9-84EC-108C4159AFBD}"/>
+                <a16:creationId xmlns:a16="http://schemas.microsoft.com/office/drawing/2014/main" xmlns="" id="{29148F54-3C75-49D9-84EC-108C4159AFBD}"/>
               </a:ext>
             </a:extLst>
           </p:cNvPr>
@@ -3112,7 +3132,7 @@
           <p:cNvPr id="4" name="Espace réservé du texte 3">
             <a:extLst>
               <a:ext uri="{FF2B5EF4-FFF2-40B4-BE49-F238E27FC236}">
-                <a16:creationId xmlns:a16="http://schemas.microsoft.com/office/drawing/2014/main" id="{1CE99912-C59D-41EC-9927-70709C5B4E2B}"/>
+                <a16:creationId xmlns:a16="http://schemas.microsoft.com/office/drawing/2014/main" xmlns="" id="{1CE99912-C59D-41EC-9927-70709C5B4E2B}"/>
               </a:ext>
             </a:extLst>
           </p:cNvPr>
@@ -3183,7 +3203,7 @@
           <p:cNvPr id="5" name="Espace réservé de la date 4">
             <a:extLst>
               <a:ext uri="{FF2B5EF4-FFF2-40B4-BE49-F238E27FC236}">
-                <a16:creationId xmlns:a16="http://schemas.microsoft.com/office/drawing/2014/main" id="{B800954B-7BDB-4F55-8BAA-DC169AD2010B}"/>
+                <a16:creationId xmlns:a16="http://schemas.microsoft.com/office/drawing/2014/main" xmlns="" id="{B800954B-7BDB-4F55-8BAA-DC169AD2010B}"/>
               </a:ext>
             </a:extLst>
           </p:cNvPr>
@@ -3201,7 +3221,8 @@
           <a:p>
             <a:fld id="{FA8AFF0E-6EDD-44B7-94ED-3A9CE9A94E0C}" type="datetimeFigureOut">
               <a:rPr lang="fr-FR" smtClean="0"/>
-              <a:t>06/01/2020</a:t>
+              <a:pPr/>
+              <a:t>06/03/2020</a:t>
             </a:fld>
             <a:endParaRPr lang="fr-FR"/>
           </a:p>
@@ -3212,7 +3233,7 @@
           <p:cNvPr id="6" name="Espace réservé du pied de page 5">
             <a:extLst>
               <a:ext uri="{FF2B5EF4-FFF2-40B4-BE49-F238E27FC236}">
-                <a16:creationId xmlns:a16="http://schemas.microsoft.com/office/drawing/2014/main" id="{778001AE-72F4-4065-B552-604AB878C31D}"/>
+                <a16:creationId xmlns:a16="http://schemas.microsoft.com/office/drawing/2014/main" xmlns="" id="{778001AE-72F4-4065-B552-604AB878C31D}"/>
               </a:ext>
             </a:extLst>
           </p:cNvPr>
@@ -3237,7 +3258,7 @@
           <p:cNvPr id="7" name="Espace réservé du numéro de diapositive 6">
             <a:extLst>
               <a:ext uri="{FF2B5EF4-FFF2-40B4-BE49-F238E27FC236}">
-                <a16:creationId xmlns:a16="http://schemas.microsoft.com/office/drawing/2014/main" id="{B548BC1A-F42D-4C3A-8123-2D91DAE1BE8A}"/>
+                <a16:creationId xmlns:a16="http://schemas.microsoft.com/office/drawing/2014/main" xmlns="" id="{B548BC1A-F42D-4C3A-8123-2D91DAE1BE8A}"/>
               </a:ext>
             </a:extLst>
           </p:cNvPr>
@@ -3255,6 +3276,7 @@
           <a:p>
             <a:fld id="{76279839-00FC-4AFB-88CB-98AE182E0343}" type="slidenum">
               <a:rPr lang="fr-FR" smtClean="0"/>
+              <a:pPr/>
               <a:t>‹N°›</a:t>
             </a:fld>
             <a:endParaRPr lang="fr-FR"/>
@@ -3264,7 +3286,7 @@
     </p:spTree>
     <p:extLst>
       <p:ext uri="{BB962C8B-B14F-4D97-AF65-F5344CB8AC3E}">
-        <p14:creationId xmlns:p14="http://schemas.microsoft.com/office/powerpoint/2010/main" val="2439795654"/>
+        <p14:creationId xmlns:p14="http://schemas.microsoft.com/office/powerpoint/2010/main" xmlns="" val="2439795654"/>
       </p:ext>
     </p:extLst>
   </p:cSld>
@@ -3301,7 +3323,7 @@
           <p:cNvPr id="2" name="Espace réservé du titre 1">
             <a:extLst>
               <a:ext uri="{FF2B5EF4-FFF2-40B4-BE49-F238E27FC236}">
-                <a16:creationId xmlns:a16="http://schemas.microsoft.com/office/drawing/2014/main" id="{F6F46DAE-B69C-4671-987B-846BBA1120E5}"/>
+                <a16:creationId xmlns:a16="http://schemas.microsoft.com/office/drawing/2014/main" xmlns="" id="{F6F46DAE-B69C-4671-987B-846BBA1120E5}"/>
               </a:ext>
             </a:extLst>
           </p:cNvPr>
@@ -3339,7 +3361,7 @@
           <p:cNvPr id="3" name="Espace réservé du texte 2">
             <a:extLst>
               <a:ext uri="{FF2B5EF4-FFF2-40B4-BE49-F238E27FC236}">
-                <a16:creationId xmlns:a16="http://schemas.microsoft.com/office/drawing/2014/main" id="{3E10A26F-9D8E-4BB2-A299-54AF643DF63E}"/>
+                <a16:creationId xmlns:a16="http://schemas.microsoft.com/office/drawing/2014/main" xmlns="" id="{3E10A26F-9D8E-4BB2-A299-54AF643DF63E}"/>
               </a:ext>
             </a:extLst>
           </p:cNvPr>
@@ -3406,7 +3428,7 @@
           <p:cNvPr id="4" name="Espace réservé de la date 3">
             <a:extLst>
               <a:ext uri="{FF2B5EF4-FFF2-40B4-BE49-F238E27FC236}">
-                <a16:creationId xmlns:a16="http://schemas.microsoft.com/office/drawing/2014/main" id="{0A7A04C6-FA8E-443E-8F09-FDA063C823FE}"/>
+                <a16:creationId xmlns:a16="http://schemas.microsoft.com/office/drawing/2014/main" xmlns="" id="{0A7A04C6-FA8E-443E-8F09-FDA063C823FE}"/>
               </a:ext>
             </a:extLst>
           </p:cNvPr>
@@ -3442,7 +3464,8 @@
           <a:p>
             <a:fld id="{FA8AFF0E-6EDD-44B7-94ED-3A9CE9A94E0C}" type="datetimeFigureOut">
               <a:rPr lang="fr-FR" smtClean="0"/>
-              <a:t>06/01/2020</a:t>
+              <a:pPr/>
+              <a:t>06/03/2020</a:t>
             </a:fld>
             <a:endParaRPr lang="fr-FR"/>
           </a:p>
@@ -3453,7 +3476,7 @@
           <p:cNvPr id="5" name="Espace réservé du pied de page 4">
             <a:extLst>
               <a:ext uri="{FF2B5EF4-FFF2-40B4-BE49-F238E27FC236}">
-                <a16:creationId xmlns:a16="http://schemas.microsoft.com/office/drawing/2014/main" id="{37F6130A-DC1E-4142-B55F-8065CA5D9F6E}"/>
+                <a16:creationId xmlns:a16="http://schemas.microsoft.com/office/drawing/2014/main" xmlns="" id="{37F6130A-DC1E-4142-B55F-8065CA5D9F6E}"/>
               </a:ext>
             </a:extLst>
           </p:cNvPr>
@@ -3496,7 +3519,7 @@
           <p:cNvPr id="6" name="Espace réservé du numéro de diapositive 5">
             <a:extLst>
               <a:ext uri="{FF2B5EF4-FFF2-40B4-BE49-F238E27FC236}">
-                <a16:creationId xmlns:a16="http://schemas.microsoft.com/office/drawing/2014/main" id="{2FB8976B-A6E7-49C0-88CA-21ADA9F50050}"/>
+                <a16:creationId xmlns:a16="http://schemas.microsoft.com/office/drawing/2014/main" xmlns="" id="{2FB8976B-A6E7-49C0-88CA-21ADA9F50050}"/>
               </a:ext>
             </a:extLst>
           </p:cNvPr>
@@ -3532,6 +3555,7 @@
           <a:p>
             <a:fld id="{76279839-00FC-4AFB-88CB-98AE182E0343}" type="slidenum">
               <a:rPr lang="fr-FR" smtClean="0"/>
+              <a:pPr/>
               <a:t>‹N°›</a:t>
             </a:fld>
             <a:endParaRPr lang="fr-FR"/>
@@ -3541,7 +3565,7 @@
     </p:spTree>
     <p:extLst>
       <p:ext uri="{BB962C8B-B14F-4D97-AF65-F5344CB8AC3E}">
-        <p14:creationId xmlns:p14="http://schemas.microsoft.com/office/powerpoint/2010/main" val="3047152283"/>
+        <p14:creationId xmlns:p14="http://schemas.microsoft.com/office/powerpoint/2010/main" xmlns="" val="3047152283"/>
       </p:ext>
     </p:extLst>
   </p:cSld>
@@ -3864,7 +3888,7 @@
           <p:cNvPr id="4" name="ZoneTexte 3">
             <a:extLst>
               <a:ext uri="{FF2B5EF4-FFF2-40B4-BE49-F238E27FC236}">
-                <a16:creationId xmlns:a16="http://schemas.microsoft.com/office/drawing/2014/main" id="{21EBFA63-1DB6-4E08-BA69-5655F290B48D}"/>
+                <a16:creationId xmlns:a16="http://schemas.microsoft.com/office/drawing/2014/main" xmlns="" id="{21EBFA63-1DB6-4E08-BA69-5655F290B48D}"/>
               </a:ext>
             </a:extLst>
           </p:cNvPr>
@@ -3900,7 +3924,7 @@
           <p:cNvPr id="5" name="ZoneTexte 4">
             <a:extLst>
               <a:ext uri="{FF2B5EF4-FFF2-40B4-BE49-F238E27FC236}">
-                <a16:creationId xmlns:a16="http://schemas.microsoft.com/office/drawing/2014/main" id="{99656173-D2AA-434F-9A55-5160E6BD476F}"/>
+                <a16:creationId xmlns:a16="http://schemas.microsoft.com/office/drawing/2014/main" xmlns="" id="{99656173-D2AA-434F-9A55-5160E6BD476F}"/>
               </a:ext>
             </a:extLst>
           </p:cNvPr>
@@ -3936,7 +3960,7 @@
           <p:cNvPr id="7" name="ZoneTexte 6">
             <a:extLst>
               <a:ext uri="{FF2B5EF4-FFF2-40B4-BE49-F238E27FC236}">
-                <a16:creationId xmlns:a16="http://schemas.microsoft.com/office/drawing/2014/main" id="{B188CA55-8088-4762-AA90-3949E790C007}"/>
+                <a16:creationId xmlns:a16="http://schemas.microsoft.com/office/drawing/2014/main" xmlns="" id="{B188CA55-8088-4762-AA90-3949E790C007}"/>
               </a:ext>
             </a:extLst>
           </p:cNvPr>
@@ -3972,7 +3996,7 @@
           <p:cNvPr id="8" name="ZoneTexte 7">
             <a:extLst>
               <a:ext uri="{FF2B5EF4-FFF2-40B4-BE49-F238E27FC236}">
-                <a16:creationId xmlns:a16="http://schemas.microsoft.com/office/drawing/2014/main" id="{256C1493-AD80-4EB9-9F88-C727A1B52D45}"/>
+                <a16:creationId xmlns:a16="http://schemas.microsoft.com/office/drawing/2014/main" xmlns="" id="{256C1493-AD80-4EB9-9F88-C727A1B52D45}"/>
               </a:ext>
             </a:extLst>
           </p:cNvPr>
@@ -4008,7 +4032,7 @@
           <p:cNvPr id="9" name="ZoneTexte 8">
             <a:extLst>
               <a:ext uri="{FF2B5EF4-FFF2-40B4-BE49-F238E27FC236}">
-                <a16:creationId xmlns:a16="http://schemas.microsoft.com/office/drawing/2014/main" id="{651710A0-30BB-42C6-A518-D959C3408C72}"/>
+                <a16:creationId xmlns:a16="http://schemas.microsoft.com/office/drawing/2014/main" xmlns="" id="{651710A0-30BB-42C6-A518-D959C3408C72}"/>
               </a:ext>
             </a:extLst>
           </p:cNvPr>
@@ -4044,7 +4068,7 @@
           <p:cNvPr id="10" name="ZoneTexte 9">
             <a:extLst>
               <a:ext uri="{FF2B5EF4-FFF2-40B4-BE49-F238E27FC236}">
-                <a16:creationId xmlns:a16="http://schemas.microsoft.com/office/drawing/2014/main" id="{997601B0-F899-41D8-9E26-D55F9E560DC1}"/>
+                <a16:creationId xmlns:a16="http://schemas.microsoft.com/office/drawing/2014/main" xmlns="" id="{997601B0-F899-41D8-9E26-D55F9E560DC1}"/>
               </a:ext>
             </a:extLst>
           </p:cNvPr>
@@ -4085,7 +4109,7 @@
           <p:cNvPr id="11" name="ZoneTexte 10">
             <a:extLst>
               <a:ext uri="{FF2B5EF4-FFF2-40B4-BE49-F238E27FC236}">
-                <a16:creationId xmlns:a16="http://schemas.microsoft.com/office/drawing/2014/main" id="{65B8BE33-221C-49CD-8AAE-D38791ADCD04}"/>
+                <a16:creationId xmlns:a16="http://schemas.microsoft.com/office/drawing/2014/main" xmlns="" id="{65B8BE33-221C-49CD-8AAE-D38791ADCD04}"/>
               </a:ext>
             </a:extLst>
           </p:cNvPr>
@@ -4126,7 +4150,7 @@
           <p:cNvPr id="12" name="ZoneTexte 11">
             <a:extLst>
               <a:ext uri="{FF2B5EF4-FFF2-40B4-BE49-F238E27FC236}">
-                <a16:creationId xmlns:a16="http://schemas.microsoft.com/office/drawing/2014/main" id="{9D36112C-A0DC-4EAA-A64A-CEE82689E9AE}"/>
+                <a16:creationId xmlns:a16="http://schemas.microsoft.com/office/drawing/2014/main" xmlns="" id="{9D36112C-A0DC-4EAA-A64A-CEE82689E9AE}"/>
               </a:ext>
             </a:extLst>
           </p:cNvPr>
@@ -4167,7 +4191,7 @@
           <p:cNvPr id="15" name="ZoneTexte 14">
             <a:extLst>
               <a:ext uri="{FF2B5EF4-FFF2-40B4-BE49-F238E27FC236}">
-                <a16:creationId xmlns:a16="http://schemas.microsoft.com/office/drawing/2014/main" id="{6E752954-5E73-4C35-90BD-F03CD21E6189}"/>
+                <a16:creationId xmlns:a16="http://schemas.microsoft.com/office/drawing/2014/main" xmlns="" id="{6E752954-5E73-4C35-90BD-F03CD21E6189}"/>
               </a:ext>
             </a:extLst>
           </p:cNvPr>
@@ -4208,7 +4232,7 @@
           <p:cNvPr id="16" name="ZoneTexte 15">
             <a:extLst>
               <a:ext uri="{FF2B5EF4-FFF2-40B4-BE49-F238E27FC236}">
-                <a16:creationId xmlns:a16="http://schemas.microsoft.com/office/drawing/2014/main" id="{4B13982A-2128-4D04-92B1-81D7D63EBB2C}"/>
+                <a16:creationId xmlns:a16="http://schemas.microsoft.com/office/drawing/2014/main" xmlns="" id="{4B13982A-2128-4D04-92B1-81D7D63EBB2C}"/>
               </a:ext>
             </a:extLst>
           </p:cNvPr>
@@ -4249,7 +4273,7 @@
           <p:cNvPr id="17" name="ZoneTexte 16">
             <a:extLst>
               <a:ext uri="{FF2B5EF4-FFF2-40B4-BE49-F238E27FC236}">
-                <a16:creationId xmlns:a16="http://schemas.microsoft.com/office/drawing/2014/main" id="{01CA3DC7-1833-461A-B5F0-E55D0A317B4C}"/>
+                <a16:creationId xmlns:a16="http://schemas.microsoft.com/office/drawing/2014/main" xmlns="" id="{01CA3DC7-1833-461A-B5F0-E55D0A317B4C}"/>
               </a:ext>
             </a:extLst>
           </p:cNvPr>
@@ -4290,7 +4314,7 @@
           <p:cNvPr id="18" name="ZoneTexte 17">
             <a:extLst>
               <a:ext uri="{FF2B5EF4-FFF2-40B4-BE49-F238E27FC236}">
-                <a16:creationId xmlns:a16="http://schemas.microsoft.com/office/drawing/2014/main" id="{8F78E371-6372-4354-8EAB-EBFB999C226C}"/>
+                <a16:creationId xmlns:a16="http://schemas.microsoft.com/office/drawing/2014/main" xmlns="" id="{8F78E371-6372-4354-8EAB-EBFB999C226C}"/>
               </a:ext>
             </a:extLst>
           </p:cNvPr>
@@ -4331,7 +4355,7 @@
           <p:cNvPr id="19" name="ZoneTexte 18">
             <a:extLst>
               <a:ext uri="{FF2B5EF4-FFF2-40B4-BE49-F238E27FC236}">
-                <a16:creationId xmlns:a16="http://schemas.microsoft.com/office/drawing/2014/main" id="{325A2087-E9E7-404A-B2F7-4FE3C7772EE0}"/>
+                <a16:creationId xmlns:a16="http://schemas.microsoft.com/office/drawing/2014/main" xmlns="" id="{325A2087-E9E7-404A-B2F7-4FE3C7772EE0}"/>
               </a:ext>
             </a:extLst>
           </p:cNvPr>
@@ -4372,7 +4396,7 @@
           <p:cNvPr id="21" name="ZoneTexte 20">
             <a:extLst>
               <a:ext uri="{FF2B5EF4-FFF2-40B4-BE49-F238E27FC236}">
-                <a16:creationId xmlns:a16="http://schemas.microsoft.com/office/drawing/2014/main" id="{10BC3F28-CABE-47CA-9D71-234893D38DF0}"/>
+                <a16:creationId xmlns:a16="http://schemas.microsoft.com/office/drawing/2014/main" xmlns="" id="{10BC3F28-CABE-47CA-9D71-234893D38DF0}"/>
               </a:ext>
             </a:extLst>
           </p:cNvPr>
@@ -4413,7 +4437,7 @@
           <p:cNvPr id="22" name="ZoneTexte 21">
             <a:extLst>
               <a:ext uri="{FF2B5EF4-FFF2-40B4-BE49-F238E27FC236}">
-                <a16:creationId xmlns:a16="http://schemas.microsoft.com/office/drawing/2014/main" id="{E885E566-7C21-4B12-B384-17740978F117}"/>
+                <a16:creationId xmlns:a16="http://schemas.microsoft.com/office/drawing/2014/main" xmlns="" id="{E885E566-7C21-4B12-B384-17740978F117}"/>
               </a:ext>
             </a:extLst>
           </p:cNvPr>
@@ -4423,7 +4447,7 @@
         <p:spPr>
           <a:xfrm>
             <a:off x="9210396" y="5500540"/>
-            <a:ext cx="2324481" cy="578882"/>
+            <a:ext cx="2324481" cy="817245"/>
           </a:xfrm>
           <a:prstGeom prst="roundRect">
             <a:avLst/>
@@ -4444,8 +4468,13 @@
             <a:pPr algn="ctr"/>
             <a:r>
               <a:rPr lang="fr-FR" sz="1400" dirty="0"/>
-              <a:t>Création / suppression / modification des comptes</a:t>
-            </a:r>
+              <a:t>Création / suppression / modification des </a:t>
+            </a:r>
+            <a:r>
+              <a:rPr lang="fr-FR" sz="1400" dirty="0" smtClean="0"/>
+              <a:t>comptes et ligues</a:t>
+            </a:r>
+            <a:endParaRPr lang="fr-FR" sz="1400" dirty="0"/>
           </a:p>
         </p:txBody>
       </p:sp>
@@ -4454,7 +4483,7 @@
           <p:cNvPr id="23" name="ZoneTexte 22">
             <a:extLst>
               <a:ext uri="{FF2B5EF4-FFF2-40B4-BE49-F238E27FC236}">
-                <a16:creationId xmlns:a16="http://schemas.microsoft.com/office/drawing/2014/main" id="{DCB73E36-9E1E-46E4-9554-52489A387F16}"/>
+                <a16:creationId xmlns:a16="http://schemas.microsoft.com/office/drawing/2014/main" xmlns="" id="{DCB73E36-9E1E-46E4-9554-52489A387F16}"/>
               </a:ext>
             </a:extLst>
           </p:cNvPr>
@@ -4464,7 +4493,7 @@
         <p:spPr>
           <a:xfrm>
             <a:off x="6177323" y="5197929"/>
-            <a:ext cx="2562518" cy="578882"/>
+            <a:ext cx="2562518" cy="817245"/>
           </a:xfrm>
           <a:prstGeom prst="roundRect">
             <a:avLst/>
@@ -4485,8 +4514,13 @@
             <a:pPr algn="ctr"/>
             <a:r>
               <a:rPr lang="fr-FR" sz="1400" dirty="0"/>
-              <a:t>Comptes des ligues et des directeurs</a:t>
-            </a:r>
+              <a:t>Comptes des ligues et des </a:t>
+            </a:r>
+            <a:r>
+              <a:rPr lang="fr-FR" sz="1400" dirty="0" smtClean="0"/>
+              <a:t>directeurs, types de note de frais</a:t>
+            </a:r>
+            <a:endParaRPr lang="fr-FR" sz="1400" dirty="0"/>
           </a:p>
         </p:txBody>
       </p:sp>
@@ -4495,7 +4529,7 @@
           <p:cNvPr id="25" name="Connecteur : en angle 24">
             <a:extLst>
               <a:ext uri="{FF2B5EF4-FFF2-40B4-BE49-F238E27FC236}">
-                <a16:creationId xmlns:a16="http://schemas.microsoft.com/office/drawing/2014/main" id="{0ED895BA-70F9-4ECA-8ECE-294EA8765669}"/>
+                <a16:creationId xmlns:a16="http://schemas.microsoft.com/office/drawing/2014/main" xmlns="" id="{0ED895BA-70F9-4ECA-8ECE-294EA8765669}"/>
               </a:ext>
             </a:extLst>
           </p:cNvPr>
@@ -4534,7 +4568,7 @@
           <p:cNvPr id="32" name="Connecteur : en angle 31">
             <a:extLst>
               <a:ext uri="{FF2B5EF4-FFF2-40B4-BE49-F238E27FC236}">
-                <a16:creationId xmlns:a16="http://schemas.microsoft.com/office/drawing/2014/main" id="{0B9FE96F-0A58-4A0B-8B8A-99BC809DA38F}"/>
+                <a16:creationId xmlns:a16="http://schemas.microsoft.com/office/drawing/2014/main" xmlns="" id="{0B9FE96F-0A58-4A0B-8B8A-99BC809DA38F}"/>
               </a:ext>
             </a:extLst>
           </p:cNvPr>
@@ -4573,7 +4607,7 @@
           <p:cNvPr id="36" name="Connecteur droit 35">
             <a:extLst>
               <a:ext uri="{FF2B5EF4-FFF2-40B4-BE49-F238E27FC236}">
-                <a16:creationId xmlns:a16="http://schemas.microsoft.com/office/drawing/2014/main" id="{5297B0ED-BEAC-4862-BAED-B9BE456C819C}"/>
+                <a16:creationId xmlns:a16="http://schemas.microsoft.com/office/drawing/2014/main" xmlns="" id="{5297B0ED-BEAC-4862-BAED-B9BE456C819C}"/>
               </a:ext>
             </a:extLst>
           </p:cNvPr>
@@ -4612,7 +4646,7 @@
           <p:cNvPr id="38" name="Connecteur droit 37">
             <a:extLst>
               <a:ext uri="{FF2B5EF4-FFF2-40B4-BE49-F238E27FC236}">
-                <a16:creationId xmlns:a16="http://schemas.microsoft.com/office/drawing/2014/main" id="{92DDCB20-BF7F-45DA-A82E-85F21A038BB3}"/>
+                <a16:creationId xmlns:a16="http://schemas.microsoft.com/office/drawing/2014/main" xmlns="" id="{92DDCB20-BF7F-45DA-A82E-85F21A038BB3}"/>
               </a:ext>
             </a:extLst>
           </p:cNvPr>
@@ -4651,7 +4685,7 @@
           <p:cNvPr id="42" name="Connecteur droit 41">
             <a:extLst>
               <a:ext uri="{FF2B5EF4-FFF2-40B4-BE49-F238E27FC236}">
-                <a16:creationId xmlns:a16="http://schemas.microsoft.com/office/drawing/2014/main" id="{FB1BA0C3-7CC9-47F9-B9BB-6A0D2D60094D}"/>
+                <a16:creationId xmlns:a16="http://schemas.microsoft.com/office/drawing/2014/main" xmlns="" id="{FB1BA0C3-7CC9-47F9-B9BB-6A0D2D60094D}"/>
               </a:ext>
             </a:extLst>
           </p:cNvPr>
@@ -4690,7 +4724,7 @@
           <p:cNvPr id="44" name="Connecteur droit 43">
             <a:extLst>
               <a:ext uri="{FF2B5EF4-FFF2-40B4-BE49-F238E27FC236}">
-                <a16:creationId xmlns:a16="http://schemas.microsoft.com/office/drawing/2014/main" id="{45D76D25-1681-43DE-8898-9E5EF114B305}"/>
+                <a16:creationId xmlns:a16="http://schemas.microsoft.com/office/drawing/2014/main" xmlns="" id="{45D76D25-1681-43DE-8898-9E5EF114B305}"/>
               </a:ext>
             </a:extLst>
           </p:cNvPr>
@@ -4701,9 +4735,9 @@
           <p:nvPr/>
         </p:nvCxnSpPr>
         <p:spPr>
-          <a:xfrm flipV="1">
-            <a:off x="5312003" y="5487370"/>
-            <a:ext cx="865320" cy="2"/>
+          <a:xfrm>
+            <a:off x="5312003" y="5487372"/>
+            <a:ext cx="865320" cy="119180"/>
           </a:xfrm>
           <a:prstGeom prst="line">
             <a:avLst/>
@@ -4729,7 +4763,7 @@
           <p:cNvPr id="46" name="Connecteur : en angle 45">
             <a:extLst>
               <a:ext uri="{FF2B5EF4-FFF2-40B4-BE49-F238E27FC236}">
-                <a16:creationId xmlns:a16="http://schemas.microsoft.com/office/drawing/2014/main" id="{2E0F081D-2052-485E-A585-1CD4D731B9AC}"/>
+                <a16:creationId xmlns:a16="http://schemas.microsoft.com/office/drawing/2014/main" xmlns="" id="{2E0F081D-2052-485E-A585-1CD4D731B9AC}"/>
               </a:ext>
             </a:extLst>
           </p:cNvPr>
@@ -4770,7 +4804,7 @@
           <p:cNvPr id="50" name="Connecteur : en angle 49">
             <a:extLst>
               <a:ext uri="{FF2B5EF4-FFF2-40B4-BE49-F238E27FC236}">
-                <a16:creationId xmlns:a16="http://schemas.microsoft.com/office/drawing/2014/main" id="{98427187-9A35-4E0E-99D6-401AF8F12497}"/>
+                <a16:creationId xmlns:a16="http://schemas.microsoft.com/office/drawing/2014/main" xmlns="" id="{98427187-9A35-4E0E-99D6-401AF8F12497}"/>
               </a:ext>
             </a:extLst>
           </p:cNvPr>
@@ -4809,7 +4843,7 @@
           <p:cNvPr id="52" name="Connecteur : en angle 51">
             <a:extLst>
               <a:ext uri="{FF2B5EF4-FFF2-40B4-BE49-F238E27FC236}">
-                <a16:creationId xmlns:a16="http://schemas.microsoft.com/office/drawing/2014/main" id="{E3F06D48-075B-4BA5-8B2B-678BC3B4C7D6}"/>
+                <a16:creationId xmlns:a16="http://schemas.microsoft.com/office/drawing/2014/main" xmlns="" id="{E3F06D48-075B-4BA5-8B2B-678BC3B4C7D6}"/>
               </a:ext>
             </a:extLst>
           </p:cNvPr>
@@ -4848,7 +4882,7 @@
           <p:cNvPr id="54" name="Connecteur : en angle 53">
             <a:extLst>
               <a:ext uri="{FF2B5EF4-FFF2-40B4-BE49-F238E27FC236}">
-                <a16:creationId xmlns:a16="http://schemas.microsoft.com/office/drawing/2014/main" id="{BCF87AD9-8746-4B33-B0C4-682CB8A9E0E2}"/>
+                <a16:creationId xmlns:a16="http://schemas.microsoft.com/office/drawing/2014/main" xmlns="" id="{BCF87AD9-8746-4B33-B0C4-682CB8A9E0E2}"/>
               </a:ext>
             </a:extLst>
           </p:cNvPr>
@@ -4861,11 +4895,13 @@
         </p:nvCxnSpPr>
         <p:spPr>
           <a:xfrm>
-            <a:off x="8739841" y="5487370"/>
+            <a:off x="8739841" y="5606552"/>
             <a:ext cx="470555" cy="302611"/>
           </a:xfrm>
           <a:prstGeom prst="bentConnector3">
-            <a:avLst/>
+            <a:avLst>
+              <a:gd name="adj1" fmla="val 50000"/>
+            </a:avLst>
           </a:prstGeom>
         </p:spPr>
         <p:style>
@@ -4888,7 +4924,7 @@
           <p:cNvPr id="31" name="Connecteur : en angle 30">
             <a:extLst>
               <a:ext uri="{FF2B5EF4-FFF2-40B4-BE49-F238E27FC236}">
-                <a16:creationId xmlns:a16="http://schemas.microsoft.com/office/drawing/2014/main" id="{4AF9F0DE-AB09-485D-B176-3EABE0C0E908}"/>
+                <a16:creationId xmlns:a16="http://schemas.microsoft.com/office/drawing/2014/main" xmlns="" id="{4AF9F0DE-AB09-485D-B176-3EABE0C0E908}"/>
               </a:ext>
             </a:extLst>
           </p:cNvPr>
@@ -4927,7 +4963,7 @@
           <p:cNvPr id="33" name="ZoneTexte 32">
             <a:extLst>
               <a:ext uri="{FF2B5EF4-FFF2-40B4-BE49-F238E27FC236}">
-                <a16:creationId xmlns:a16="http://schemas.microsoft.com/office/drawing/2014/main" id="{E5429D25-665E-48EC-9029-80AA2AB18619}"/>
+                <a16:creationId xmlns:a16="http://schemas.microsoft.com/office/drawing/2014/main" xmlns="" id="{E5429D25-665E-48EC-9029-80AA2AB18619}"/>
               </a:ext>
             </a:extLst>
           </p:cNvPr>
@@ -4966,7 +5002,7 @@
     </p:spTree>
     <p:extLst>
       <p:ext uri="{BB962C8B-B14F-4D97-AF65-F5344CB8AC3E}">
-        <p14:creationId xmlns:p14="http://schemas.microsoft.com/office/powerpoint/2010/main" val="2940290616"/>
+        <p14:creationId xmlns:p14="http://schemas.microsoft.com/office/powerpoint/2010/main" xmlns="" val="2940290616"/>
       </p:ext>
     </p:extLst>
   </p:cSld>
@@ -5019,7 +5055,7 @@
     </a:clrScheme>
     <a:fontScheme name="Office">
       <a:majorFont>
-        <a:latin typeface="Calibri Light" panose="020F0302020204030204"/>
+        <a:latin typeface="Calibri Light"/>
         <a:ea typeface=""/>
         <a:cs typeface=""/>
         <a:font script="Jpan" typeface="游ゴシック Light"/>
@@ -5071,7 +5107,7 @@
         <a:font script="Tfng" typeface="Ebrima"/>
       </a:majorFont>
       <a:minorFont>
-        <a:latin typeface="Calibri" panose="020F0502020204030204"/>
+        <a:latin typeface="Calibri"/>
         <a:ea typeface=""/>
         <a:cs typeface=""/>
         <a:font script="Jpan" typeface="游ゴシック"/>
@@ -5265,7 +5301,7 @@
   <a:extraClrSchemeLst/>
   <a:extLst>
     <a:ext uri="{05A4C25C-085E-4340-85A3-A5531E510DB2}">
-      <thm15:themeFamily xmlns:thm15="http://schemas.microsoft.com/office/thememl/2012/main" name="Office Theme" id="{62F939B6-93AF-4DB8-9C6B-D6C7DFDC589F}" vid="{4A3C46E8-61CC-4603-A589-7422A47A8E4A}"/>
+      <thm15:themeFamily xmlns:thm15="http://schemas.microsoft.com/office/thememl/2012/main" xmlns="" name="Office Theme" id="{62F939B6-93AF-4DB8-9C6B-D6C7DFDC589F}" vid="{4A3C46E8-61CC-4603-A589-7422A47A8E4A}"/>
     </a:ext>
   </a:extLst>
 </a:theme>
